--- a/slides/GitHubIntro_2024.pptx
+++ b/slides/GitHubIntro_2024.pptx
@@ -5,7 +5,7 @@
     <p:sldMasterId id="2147483648" r:id="rId1"/>
   </p:sldMasterIdLst>
   <p:notesMasterIdLst>
-    <p:notesMasterId r:id="rId21"/>
+    <p:notesMasterId r:id="rId22"/>
   </p:notesMasterIdLst>
   <p:sldIdLst>
     <p:sldId id="256" r:id="rId2"/>
@@ -26,7 +26,8 @@
     <p:sldId id="271" r:id="rId17"/>
     <p:sldId id="272" r:id="rId18"/>
     <p:sldId id="274" r:id="rId19"/>
-    <p:sldId id="273" r:id="rId20"/>
+    <p:sldId id="275" r:id="rId20"/>
+    <p:sldId id="273" r:id="rId21"/>
   </p:sldIdLst>
   <p:sldSz cx="12192000" cy="6858000"/>
   <p:notesSz cx="6858000" cy="9144000"/>
@@ -215,7 +216,7 @@
           <a:p>
             <a:fld id="{282937C7-2935-0042-9D4A-82A40091BB27}" type="datetimeFigureOut">
               <a:rPr lang="en-US" smtClean="0"/>
-              <a:t>8/9/24</a:t>
+              <a:t>8/16/24</a:t>
             </a:fld>
             <a:endParaRPr lang="en-US"/>
           </a:p>
@@ -1424,44 +1425,7 @@
           <a:bodyPr/>
           <a:lstStyle/>
           <a:p>
-            <a:r>
-              <a:rPr lang="en-US" dirty="0"/>
-              <a:t>So that was it</a:t>
-            </a:r>
-          </a:p>
-          <a:p>
-            <a:r>
-              <a:rPr lang="en-US" dirty="0"/>
-              <a:t>GitHub is a basically free web service so probably good idea to sign up</a:t>
-            </a:r>
-          </a:p>
-          <a:p>
-            <a:r>
-              <a:rPr lang="en-US" dirty="0"/>
-              <a:t>Git is basically command line program meaning that you type commands to things like terminal to get what I described done, but there are some apps that lets you do the same thing in a more graphical, intuitive way, and </a:t>
-            </a:r>
-            <a:r>
-              <a:rPr lang="en-US" dirty="0" err="1"/>
-              <a:t>sorucetree</a:t>
-            </a:r>
-            <a:r>
-              <a:rPr lang="en-US" dirty="0"/>
-              <a:t> is one of them.</a:t>
-            </a:r>
-          </a:p>
-          <a:p>
-            <a:r>
-              <a:rPr lang="en-US" dirty="0"/>
-              <a:t>The last link is a tutorial page on </a:t>
-            </a:r>
-            <a:r>
-              <a:rPr lang="en-US" dirty="0" err="1"/>
-              <a:t>github</a:t>
-            </a:r>
-            <a:r>
-              <a:rPr lang="en-US" dirty="0"/>
-              <a:t>, but these tend to be full of jargons (like repository, commit, push/pull, clone…) but hopefully what I presented today help you read these through. </a:t>
-            </a:r>
+            <a:endParaRPr lang="en-US" dirty="0"/>
           </a:p>
         </p:txBody>
       </p:sp>
@@ -1483,6 +1447,127 @@
             <a:fld id="{088D1698-BEDC-4148-A0B2-DD69094F96E1}" type="slidenum">
               <a:rPr lang="en-US" smtClean="0"/>
               <a:t>19</a:t>
+            </a:fld>
+            <a:endParaRPr lang="en-US"/>
+          </a:p>
+        </p:txBody>
+      </p:sp>
+    </p:spTree>
+    <p:extLst>
+      <p:ext uri="{BB962C8B-B14F-4D97-AF65-F5344CB8AC3E}">
+        <p14:creationId xmlns:p14="http://schemas.microsoft.com/office/powerpoint/2010/main" val="169843713"/>
+      </p:ext>
+    </p:extLst>
+  </p:cSld>
+  <p:clrMapOvr>
+    <a:masterClrMapping/>
+  </p:clrMapOvr>
+</p:notes>
+</file>
+
+<file path=ppt/notesSlides/notesSlide19.xml><?xml version="1.0" encoding="utf-8"?>
+<p:notes xmlns:a="http://schemas.openxmlformats.org/drawingml/2006/main" xmlns:r="http://schemas.openxmlformats.org/officeDocument/2006/relationships" xmlns:p="http://schemas.openxmlformats.org/presentationml/2006/main">
+  <p:cSld>
+    <p:spTree>
+      <p:nvGrpSpPr>
+        <p:cNvPr id="1" name=""/>
+        <p:cNvGrpSpPr/>
+        <p:nvPr/>
+      </p:nvGrpSpPr>
+      <p:grpSpPr>
+        <a:xfrm>
+          <a:off x="0" y="0"/>
+          <a:ext cx="0" cy="0"/>
+          <a:chOff x="0" y="0"/>
+          <a:chExt cx="0" cy="0"/>
+        </a:xfrm>
+      </p:grpSpPr>
+      <p:sp>
+        <p:nvSpPr>
+          <p:cNvPr id="2" name="Slide Image Placeholder 1"/>
+          <p:cNvSpPr>
+            <a:spLocks noGrp="1" noRot="1" noChangeAspect="1"/>
+          </p:cNvSpPr>
+          <p:nvPr>
+            <p:ph type="sldImg"/>
+          </p:nvPr>
+        </p:nvSpPr>
+        <p:spPr/>
+      </p:sp>
+      <p:sp>
+        <p:nvSpPr>
+          <p:cNvPr id="3" name="Notes Placeholder 2"/>
+          <p:cNvSpPr>
+            <a:spLocks noGrp="1"/>
+          </p:cNvSpPr>
+          <p:nvPr>
+            <p:ph type="body" idx="1"/>
+          </p:nvPr>
+        </p:nvSpPr>
+        <p:spPr/>
+        <p:txBody>
+          <a:bodyPr/>
+          <a:lstStyle/>
+          <a:p>
+            <a:r>
+              <a:rPr lang="en-US" dirty="0"/>
+              <a:t>So that was it</a:t>
+            </a:r>
+          </a:p>
+          <a:p>
+            <a:r>
+              <a:rPr lang="en-US" dirty="0"/>
+              <a:t>GitHub is a basically free web service so probably good idea to sign up</a:t>
+            </a:r>
+          </a:p>
+          <a:p>
+            <a:r>
+              <a:rPr lang="en-US" dirty="0"/>
+              <a:t>Git is basically command line program meaning that you type commands to things like terminal to get what I described done, but there are some apps that lets you do the same thing in a more graphical, intuitive way, and </a:t>
+            </a:r>
+            <a:r>
+              <a:rPr lang="en-US" dirty="0" err="1"/>
+              <a:t>sorucetree</a:t>
+            </a:r>
+            <a:r>
+              <a:rPr lang="en-US" dirty="0"/>
+              <a:t> is one of them.</a:t>
+            </a:r>
+          </a:p>
+          <a:p>
+            <a:r>
+              <a:rPr lang="en-US" dirty="0"/>
+              <a:t>The last link is a tutorial page on </a:t>
+            </a:r>
+            <a:r>
+              <a:rPr lang="en-US" dirty="0" err="1"/>
+              <a:t>github</a:t>
+            </a:r>
+            <a:r>
+              <a:rPr lang="en-US" dirty="0"/>
+              <a:t>, but these tend to be full of jargons (like repository, commit, push/pull, clone…) but hopefully what I presented today help you read these through. </a:t>
+            </a:r>
+          </a:p>
+        </p:txBody>
+      </p:sp>
+      <p:sp>
+        <p:nvSpPr>
+          <p:cNvPr id="4" name="Slide Number Placeholder 3"/>
+          <p:cNvSpPr>
+            <a:spLocks noGrp="1"/>
+          </p:cNvSpPr>
+          <p:nvPr>
+            <p:ph type="sldNum" sz="quarter" idx="5"/>
+          </p:nvPr>
+        </p:nvSpPr>
+        <p:spPr/>
+        <p:txBody>
+          <a:bodyPr/>
+          <a:lstStyle/>
+          <a:p>
+            <a:fld id="{088D1698-BEDC-4148-A0B2-DD69094F96E1}" type="slidenum">
+              <a:rPr lang="en-US" smtClean="0"/>
+              <a:t>20</a:t>
             </a:fld>
             <a:endParaRPr lang="en-US"/>
           </a:p>
@@ -2500,7 +2585,7 @@
           <a:p>
             <a:fld id="{FC364BD7-7E38-4F49-AFF1-BE6F72DBA9D4}" type="datetimeFigureOut">
               <a:rPr lang="en-US" smtClean="0"/>
-              <a:t>8/9/24</a:t>
+              <a:t>8/16/24</a:t>
             </a:fld>
             <a:endParaRPr lang="en-US"/>
           </a:p>
@@ -2698,7 +2783,7 @@
           <a:p>
             <a:fld id="{FC364BD7-7E38-4F49-AFF1-BE6F72DBA9D4}" type="datetimeFigureOut">
               <a:rPr lang="en-US" smtClean="0"/>
-              <a:t>8/9/24</a:t>
+              <a:t>8/16/24</a:t>
             </a:fld>
             <a:endParaRPr lang="en-US"/>
           </a:p>
@@ -2906,7 +2991,7 @@
           <a:p>
             <a:fld id="{FC364BD7-7E38-4F49-AFF1-BE6F72DBA9D4}" type="datetimeFigureOut">
               <a:rPr lang="en-US" smtClean="0"/>
-              <a:t>8/9/24</a:t>
+              <a:t>8/16/24</a:t>
             </a:fld>
             <a:endParaRPr lang="en-US"/>
           </a:p>
@@ -3104,7 +3189,7 @@
           <a:p>
             <a:fld id="{FC364BD7-7E38-4F49-AFF1-BE6F72DBA9D4}" type="datetimeFigureOut">
               <a:rPr lang="en-US" smtClean="0"/>
-              <a:t>8/9/24</a:t>
+              <a:t>8/16/24</a:t>
             </a:fld>
             <a:endParaRPr lang="en-US"/>
           </a:p>
@@ -3379,7 +3464,7 @@
           <a:p>
             <a:fld id="{FC364BD7-7E38-4F49-AFF1-BE6F72DBA9D4}" type="datetimeFigureOut">
               <a:rPr lang="en-US" smtClean="0"/>
-              <a:t>8/9/24</a:t>
+              <a:t>8/16/24</a:t>
             </a:fld>
             <a:endParaRPr lang="en-US"/>
           </a:p>
@@ -3644,7 +3729,7 @@
           <a:p>
             <a:fld id="{FC364BD7-7E38-4F49-AFF1-BE6F72DBA9D4}" type="datetimeFigureOut">
               <a:rPr lang="en-US" smtClean="0"/>
-              <a:t>8/9/24</a:t>
+              <a:t>8/16/24</a:t>
             </a:fld>
             <a:endParaRPr lang="en-US"/>
           </a:p>
@@ -4056,7 +4141,7 @@
           <a:p>
             <a:fld id="{FC364BD7-7E38-4F49-AFF1-BE6F72DBA9D4}" type="datetimeFigureOut">
               <a:rPr lang="en-US" smtClean="0"/>
-              <a:t>8/9/24</a:t>
+              <a:t>8/16/24</a:t>
             </a:fld>
             <a:endParaRPr lang="en-US"/>
           </a:p>
@@ -4197,7 +4282,7 @@
           <a:p>
             <a:fld id="{FC364BD7-7E38-4F49-AFF1-BE6F72DBA9D4}" type="datetimeFigureOut">
               <a:rPr lang="en-US" smtClean="0"/>
-              <a:t>8/9/24</a:t>
+              <a:t>8/16/24</a:t>
             </a:fld>
             <a:endParaRPr lang="en-US"/>
           </a:p>
@@ -4310,7 +4395,7 @@
           <a:p>
             <a:fld id="{FC364BD7-7E38-4F49-AFF1-BE6F72DBA9D4}" type="datetimeFigureOut">
               <a:rPr lang="en-US" smtClean="0"/>
-              <a:t>8/9/24</a:t>
+              <a:t>8/16/24</a:t>
             </a:fld>
             <a:endParaRPr lang="en-US"/>
           </a:p>
@@ -4621,7 +4706,7 @@
           <a:p>
             <a:fld id="{FC364BD7-7E38-4F49-AFF1-BE6F72DBA9D4}" type="datetimeFigureOut">
               <a:rPr lang="en-US" smtClean="0"/>
-              <a:t>8/9/24</a:t>
+              <a:t>8/16/24</a:t>
             </a:fld>
             <a:endParaRPr lang="en-US"/>
           </a:p>
@@ -4909,7 +4994,7 @@
           <a:p>
             <a:fld id="{FC364BD7-7E38-4F49-AFF1-BE6F72DBA9D4}" type="datetimeFigureOut">
               <a:rPr lang="en-US" smtClean="0"/>
-              <a:t>8/9/24</a:t>
+              <a:t>8/16/24</a:t>
             </a:fld>
             <a:endParaRPr lang="en-US"/>
           </a:p>
@@ -5150,7 +5235,7 @@
           <a:p>
             <a:fld id="{FC364BD7-7E38-4F49-AFF1-BE6F72DBA9D4}" type="datetimeFigureOut">
               <a:rPr lang="en-US" smtClean="0"/>
-              <a:t>8/9/24</a:t>
+              <a:t>8/16/24</a:t>
             </a:fld>
             <a:endParaRPr lang="en-US"/>
           </a:p>
@@ -14713,7 +14798,7 @@
           <p:cNvPr id="2" name="Title 1">
             <a:extLst>
               <a:ext uri="{FF2B5EF4-FFF2-40B4-BE49-F238E27FC236}">
-                <a16:creationId xmlns:a16="http://schemas.microsoft.com/office/drawing/2014/main" id="{E84B55E1-1451-0E4A-9EA3-34D6197074DE}"/>
+                <a16:creationId xmlns:a16="http://schemas.microsoft.com/office/drawing/2014/main" id="{7E4C5F9F-A26E-621D-642A-C0120873A45B}"/>
               </a:ext>
             </a:extLst>
           </p:cNvPr>
@@ -14731,93 +14816,87 @@
           <a:p>
             <a:r>
               <a:rPr lang="en-US" dirty="0"/>
-              <a:t>Resources</a:t>
-            </a:r>
-          </a:p>
-        </p:txBody>
-      </p:sp>
-      <p:sp>
-        <p:nvSpPr>
-          <p:cNvPr id="3" name="Content Placeholder 2">
-            <a:extLst>
-              <a:ext uri="{FF2B5EF4-FFF2-40B4-BE49-F238E27FC236}">
-                <a16:creationId xmlns:a16="http://schemas.microsoft.com/office/drawing/2014/main" id="{DF58D35A-9721-484B-B88C-73178D9AABCE}"/>
-              </a:ext>
-            </a:extLst>
-          </p:cNvPr>
-          <p:cNvSpPr>
-            <a:spLocks noGrp="1"/>
-          </p:cNvSpPr>
-          <p:nvPr>
-            <p:ph idx="1"/>
-          </p:nvPr>
-        </p:nvSpPr>
-        <p:spPr/>
-        <p:txBody>
-          <a:bodyPr/>
-          <a:lstStyle/>
-          <a:p>
-            <a:r>
-              <a:rPr lang="en-US" dirty="0">
-                <a:hlinkClick r:id="rId3"/>
-              </a:rPr>
-              <a:t>https://github.com/</a:t>
-            </a:r>
-            <a:r>
-              <a:rPr lang="en-US" dirty="0"/>
-              <a:t> </a:t>
-            </a:r>
-            <a:br>
-              <a:rPr lang="en-US" dirty="0"/>
-            </a:br>
-            <a:r>
-              <a:rPr lang="en-US" dirty="0"/>
-              <a:t>GitHub (recommend making a free account)</a:t>
-            </a:r>
-          </a:p>
-          <a:p>
-            <a:r>
-              <a:rPr lang="en-US" dirty="0">
-                <a:hlinkClick r:id="rId4"/>
-              </a:rPr>
-              <a:t>https://www.sourcetreeapp.com/</a:t>
-            </a:r>
-            <a:r>
-              <a:rPr lang="en-US" dirty="0"/>
-              <a:t> </a:t>
-            </a:r>
-            <a:br>
-              <a:rPr lang="en-US" dirty="0"/>
-            </a:br>
-            <a:r>
-              <a:rPr lang="en-US" dirty="0"/>
-              <a:t>SourceTree (a free app that makes you do all this graphically)</a:t>
-            </a:r>
-          </a:p>
-          <a:p>
-            <a:r>
-              <a:rPr lang="en-US" dirty="0">
-                <a:hlinkClick r:id="rId5"/>
-              </a:rPr>
-              <a:t>https://guides.github.com/activities/hello-world/</a:t>
-            </a:r>
-            <a:br>
-              <a:rPr lang="en-US" dirty="0"/>
-            </a:br>
-            <a:r>
-              <a:rPr lang="en-US" dirty="0"/>
-              <a:t>GitHub tutorial – I’d recommend making a mock repository to understand the functioning of git/GitHub </a:t>
-            </a:r>
-          </a:p>
-          <a:p>
-            <a:endParaRPr lang="en-US" dirty="0"/>
-          </a:p>
-        </p:txBody>
-      </p:sp>
+              <a:t>Example</a:t>
+            </a:r>
+          </a:p>
+        </p:txBody>
+      </p:sp>
+      <p:pic>
+        <p:nvPicPr>
+          <p:cNvPr id="4" name="Picture 3">
+            <a:extLst>
+              <a:ext uri="{FF2B5EF4-FFF2-40B4-BE49-F238E27FC236}">
+                <a16:creationId xmlns:a16="http://schemas.microsoft.com/office/drawing/2014/main" id="{27A57860-A48E-15F8-9C0E-634716EB2294}"/>
+              </a:ext>
+            </a:extLst>
+          </p:cNvPr>
+          <p:cNvPicPr>
+            <a:picLocks noChangeAspect="1"/>
+          </p:cNvPicPr>
+          <p:nvPr/>
+        </p:nvPicPr>
+        <p:blipFill>
+          <a:blip r:embed="rId3"/>
+          <a:stretch>
+            <a:fillRect/>
+          </a:stretch>
+        </p:blipFill>
+        <p:spPr>
+          <a:xfrm>
+            <a:off x="3907971" y="1027906"/>
+            <a:ext cx="7772400" cy="5181600"/>
+          </a:xfrm>
+          <a:prstGeom prst="rect">
+            <a:avLst/>
+          </a:prstGeom>
+        </p:spPr>
+      </p:pic>
+      <p:cxnSp>
+        <p:nvCxnSpPr>
+          <p:cNvPr id="6" name="Straight Arrow Connector 5">
+            <a:extLst>
+              <a:ext uri="{FF2B5EF4-FFF2-40B4-BE49-F238E27FC236}">
+                <a16:creationId xmlns:a16="http://schemas.microsoft.com/office/drawing/2014/main" id="{CEE9D385-B1CA-4023-9A8A-441B38BBB664}"/>
+              </a:ext>
+            </a:extLst>
+          </p:cNvPr>
+          <p:cNvCxnSpPr/>
+          <p:nvPr/>
+        </p:nvCxnSpPr>
+        <p:spPr>
+          <a:xfrm>
+            <a:off x="2111827" y="4065815"/>
+            <a:ext cx="1920240" cy="0"/>
+          </a:xfrm>
+          <a:prstGeom prst="straightConnector1">
+            <a:avLst/>
+          </a:prstGeom>
+          <a:ln w="98425">
+            <a:solidFill>
+              <a:srgbClr val="C00000"/>
+            </a:solidFill>
+            <a:tailEnd type="triangle"/>
+          </a:ln>
+        </p:spPr>
+        <p:style>
+          <a:lnRef idx="2">
+            <a:schemeClr val="accent2"/>
+          </a:lnRef>
+          <a:fillRef idx="0">
+            <a:schemeClr val="accent2"/>
+          </a:fillRef>
+          <a:effectRef idx="1">
+            <a:schemeClr val="accent2"/>
+          </a:effectRef>
+          <a:fontRef idx="minor">
+            <a:schemeClr val="tx1"/>
+          </a:fontRef>
+        </p:style>
+      </p:cxnSp>
     </p:spTree>
     <p:extLst>
       <p:ext uri="{BB962C8B-B14F-4D97-AF65-F5344CB8AC3E}">
-        <p14:creationId xmlns:p14="http://schemas.microsoft.com/office/powerpoint/2010/main" val="3535261763"/>
+        <p14:creationId xmlns:p14="http://schemas.microsoft.com/office/powerpoint/2010/main" val="1055217412"/>
       </p:ext>
     </p:extLst>
   </p:cSld>
@@ -14922,6 +15001,142 @@
     <p:extLst>
       <p:ext uri="{BB962C8B-B14F-4D97-AF65-F5344CB8AC3E}">
         <p14:creationId xmlns:p14="http://schemas.microsoft.com/office/powerpoint/2010/main" val="4136173703"/>
+      </p:ext>
+    </p:extLst>
+  </p:cSld>
+  <p:clrMapOvr>
+    <a:masterClrMapping/>
+  </p:clrMapOvr>
+</p:sld>
+</file>
+
+<file path=ppt/slides/slide20.xml><?xml version="1.0" encoding="utf-8"?>
+<p:sld xmlns:a="http://schemas.openxmlformats.org/drawingml/2006/main" xmlns:r="http://schemas.openxmlformats.org/officeDocument/2006/relationships" xmlns:p="http://schemas.openxmlformats.org/presentationml/2006/main">
+  <p:cSld>
+    <p:spTree>
+      <p:nvGrpSpPr>
+        <p:cNvPr id="1" name=""/>
+        <p:cNvGrpSpPr/>
+        <p:nvPr/>
+      </p:nvGrpSpPr>
+      <p:grpSpPr>
+        <a:xfrm>
+          <a:off x="0" y="0"/>
+          <a:ext cx="0" cy="0"/>
+          <a:chOff x="0" y="0"/>
+          <a:chExt cx="0" cy="0"/>
+        </a:xfrm>
+      </p:grpSpPr>
+      <p:sp>
+        <p:nvSpPr>
+          <p:cNvPr id="2" name="Title 1">
+            <a:extLst>
+              <a:ext uri="{FF2B5EF4-FFF2-40B4-BE49-F238E27FC236}">
+                <a16:creationId xmlns:a16="http://schemas.microsoft.com/office/drawing/2014/main" id="{E84B55E1-1451-0E4A-9EA3-34D6197074DE}"/>
+              </a:ext>
+            </a:extLst>
+          </p:cNvPr>
+          <p:cNvSpPr>
+            <a:spLocks noGrp="1"/>
+          </p:cNvSpPr>
+          <p:nvPr>
+            <p:ph type="title"/>
+          </p:nvPr>
+        </p:nvSpPr>
+        <p:spPr/>
+        <p:txBody>
+          <a:bodyPr/>
+          <a:lstStyle/>
+          <a:p>
+            <a:r>
+              <a:rPr lang="en-US" dirty="0"/>
+              <a:t>Resources</a:t>
+            </a:r>
+          </a:p>
+        </p:txBody>
+      </p:sp>
+      <p:sp>
+        <p:nvSpPr>
+          <p:cNvPr id="3" name="Content Placeholder 2">
+            <a:extLst>
+              <a:ext uri="{FF2B5EF4-FFF2-40B4-BE49-F238E27FC236}">
+                <a16:creationId xmlns:a16="http://schemas.microsoft.com/office/drawing/2014/main" id="{DF58D35A-9721-484B-B88C-73178D9AABCE}"/>
+              </a:ext>
+            </a:extLst>
+          </p:cNvPr>
+          <p:cNvSpPr>
+            <a:spLocks noGrp="1"/>
+          </p:cNvSpPr>
+          <p:nvPr>
+            <p:ph idx="1"/>
+          </p:nvPr>
+        </p:nvSpPr>
+        <p:spPr/>
+        <p:txBody>
+          <a:bodyPr/>
+          <a:lstStyle/>
+          <a:p>
+            <a:r>
+              <a:rPr lang="en-US" dirty="0">
+                <a:hlinkClick r:id="rId3"/>
+              </a:rPr>
+              <a:t>https://github.com/</a:t>
+            </a:r>
+            <a:r>
+              <a:rPr lang="en-US" dirty="0"/>
+              <a:t> </a:t>
+            </a:r>
+            <a:br>
+              <a:rPr lang="en-US" dirty="0"/>
+            </a:br>
+            <a:r>
+              <a:rPr lang="en-US" dirty="0"/>
+              <a:t>GitHub (recommend making a free account)</a:t>
+            </a:r>
+          </a:p>
+          <a:p>
+            <a:r>
+              <a:rPr lang="en-US" dirty="0">
+                <a:hlinkClick r:id="rId4"/>
+              </a:rPr>
+              <a:t>https://www.sourcetreeapp.com/</a:t>
+            </a:r>
+            <a:r>
+              <a:rPr lang="en-US" dirty="0"/>
+              <a:t> </a:t>
+            </a:r>
+            <a:br>
+              <a:rPr lang="en-US" dirty="0"/>
+            </a:br>
+            <a:r>
+              <a:rPr lang="en-US" dirty="0"/>
+              <a:t>SourceTree (a free app that makes you do all this graphically)</a:t>
+            </a:r>
+          </a:p>
+          <a:p>
+            <a:r>
+              <a:rPr lang="en-US" dirty="0">
+                <a:hlinkClick r:id="rId5"/>
+              </a:rPr>
+              <a:t>https://guides.github.com/activities/hello-world/</a:t>
+            </a:r>
+            <a:br>
+              <a:rPr lang="en-US" dirty="0"/>
+            </a:br>
+            <a:r>
+              <a:rPr lang="en-US" dirty="0"/>
+              <a:t>GitHub tutorial – I’d recommend making a mock repository to understand the functioning of git/GitHub </a:t>
+            </a:r>
+          </a:p>
+          <a:p>
+            <a:endParaRPr lang="en-US" dirty="0"/>
+          </a:p>
+        </p:txBody>
+      </p:sp>
+    </p:spTree>
+    <p:extLst>
+      <p:ext uri="{BB962C8B-B14F-4D97-AF65-F5344CB8AC3E}">
+        <p14:creationId xmlns:p14="http://schemas.microsoft.com/office/powerpoint/2010/main" val="3535261763"/>
       </p:ext>
     </p:extLst>
   </p:cSld>
